--- a/CAIM BOJ - Global Financial Risk Trends.pptx
+++ b/CAIM BOJ - Global Financial Risk Trends.pptx
@@ -5894,7 +5894,7 @@
           <a:p>
             <a:fld id="{0D5BF13E-0A9F-7A42-B666-707E8C2C3FC9}" type="datetimeFigureOut">
               <a:rPr lang="en-US" smtClean="0"/>
-              <a:t>11/15/2024</a:t>
+              <a:t>11/17/2024</a:t>
             </a:fld>
             <a:endParaRPr lang="en-US"/>
           </a:p>
@@ -6885,7 +6885,7 @@
           <a:p>
             <a:fld id="{C214F419-8DDC-EA48-BD24-CF9CA5C03B01}" type="datetime3">
               <a:rPr lang="en-US" smtClean="0"/>
-              <a:t>15 November 2024</a:t>
+              <a:t>17 November 2024</a:t>
             </a:fld>
             <a:endParaRPr lang="en-US" dirty="0"/>
           </a:p>
@@ -7553,7 +7553,7 @@
           <a:p>
             <a:fld id="{C214F419-8DDC-EA48-BD24-CF9CA5C03B01}" type="datetime3">
               <a:rPr lang="en-US" smtClean="0"/>
-              <a:t>15 November 2024</a:t>
+              <a:t>17 November 2024</a:t>
             </a:fld>
             <a:endParaRPr lang="en-US" dirty="0"/>
           </a:p>
@@ -8032,7 +8032,7 @@
           <a:p>
             <a:fld id="{C214F419-8DDC-EA48-BD24-CF9CA5C03B01}" type="datetime3">
               <a:rPr lang="en-US" smtClean="0"/>
-              <a:t>15 November 2024</a:t>
+              <a:t>17 November 2024</a:t>
             </a:fld>
             <a:endParaRPr lang="en-US" dirty="0"/>
           </a:p>
@@ -8634,7 +8634,7 @@
           <a:p>
             <a:fld id="{C214F419-8DDC-EA48-BD24-CF9CA5C03B01}" type="datetime3">
               <a:rPr lang="en-US" smtClean="0"/>
-              <a:t>15 November 2024</a:t>
+              <a:t>17 November 2024</a:t>
             </a:fld>
             <a:endParaRPr lang="en-US" dirty="0"/>
           </a:p>
@@ -9175,7 +9175,7 @@
           <a:p>
             <a:fld id="{C214F419-8DDC-EA48-BD24-CF9CA5C03B01}" type="datetime3">
               <a:rPr lang="en-US" smtClean="0"/>
-              <a:t>15 November 2024</a:t>
+              <a:t>17 November 2024</a:t>
             </a:fld>
             <a:endParaRPr lang="en-US" dirty="0"/>
           </a:p>
@@ -9654,7 +9654,7 @@
           <a:p>
             <a:fld id="{C214F419-8DDC-EA48-BD24-CF9CA5C03B01}" type="datetime3">
               <a:rPr lang="en-US" smtClean="0"/>
-              <a:t>15 November 2024</a:t>
+              <a:t>17 November 2024</a:t>
             </a:fld>
             <a:endParaRPr lang="en-US" dirty="0"/>
           </a:p>
@@ -10256,7 +10256,7 @@
           <a:p>
             <a:fld id="{C214F419-8DDC-EA48-BD24-CF9CA5C03B01}" type="datetime3">
               <a:rPr lang="en-US" smtClean="0"/>
-              <a:t>15 November 2024</a:t>
+              <a:t>17 November 2024</a:t>
             </a:fld>
             <a:endParaRPr lang="en-US" dirty="0"/>
           </a:p>
@@ -10797,7 +10797,7 @@
           <a:p>
             <a:fld id="{C214F419-8DDC-EA48-BD24-CF9CA5C03B01}" type="datetime3">
               <a:rPr lang="en-US" smtClean="0"/>
-              <a:t>15 November 2024</a:t>
+              <a:t>17 November 2024</a:t>
             </a:fld>
             <a:endParaRPr lang="en-US" dirty="0"/>
           </a:p>
@@ -11246,7 +11246,7 @@
             <a:fld id="{97556E8B-0A47-5B4E-9FDB-B8A05728CEB8}" type="datetime3">
               <a:rPr lang="en-US" smtClean="0"/>
               <a:pPr/>
-              <a:t>15 November 2024</a:t>
+              <a:t>17 November 2024</a:t>
             </a:fld>
             <a:endParaRPr lang="en-US" dirty="0"/>
           </a:p>
@@ -11397,7 +11397,7 @@
             <a:fld id="{97556E8B-0A47-5B4E-9FDB-B8A05728CEB8}" type="datetime3">
               <a:rPr lang="en-US" smtClean="0"/>
               <a:pPr/>
-              <a:t>15 November 2024</a:t>
+              <a:t>17 November 2024</a:t>
             </a:fld>
             <a:endParaRPr lang="en-US" dirty="0"/>
           </a:p>
@@ -11957,7 +11957,7 @@
             <a:fld id="{97556E8B-0A47-5B4E-9FDB-B8A05728CEB8}" type="datetime3">
               <a:rPr lang="en-US" smtClean="0"/>
               <a:pPr/>
-              <a:t>15 November 2024</a:t>
+              <a:t>17 November 2024</a:t>
             </a:fld>
             <a:endParaRPr lang="en-US" dirty="0"/>
           </a:p>
@@ -12132,7 +12132,7 @@
             <a:fld id="{97556E8B-0A47-5B4E-9FDB-B8A05728CEB8}" type="datetime3">
               <a:rPr lang="en-US" smtClean="0"/>
               <a:pPr/>
-              <a:t>15 November 2024</a:t>
+              <a:t>17 November 2024</a:t>
             </a:fld>
             <a:endParaRPr lang="en-US" dirty="0"/>
           </a:p>
@@ -12427,7 +12427,7 @@
             <a:fld id="{97556E8B-0A47-5B4E-9FDB-B8A05728CEB8}" type="datetime3">
               <a:rPr lang="en-US" smtClean="0"/>
               <a:pPr/>
-              <a:t>15 November 2024</a:t>
+              <a:t>17 November 2024</a:t>
             </a:fld>
             <a:endParaRPr lang="en-US" dirty="0"/>
           </a:p>
@@ -13262,7 +13262,7 @@
           <a:p>
             <a:fld id="{C214F419-8DDC-EA48-BD24-CF9CA5C03B01}" type="datetime3">
               <a:rPr lang="en-US" smtClean="0"/>
-              <a:t>15 November 2024</a:t>
+              <a:t>17 November 2024</a:t>
             </a:fld>
             <a:endParaRPr lang="en-US" dirty="0"/>
           </a:p>
@@ -13641,7 +13641,7 @@
           <a:p>
             <a:fld id="{C214F419-8DDC-EA48-BD24-CF9CA5C03B01}" type="datetime3">
               <a:rPr lang="en-US" smtClean="0"/>
-              <a:t>15 November 2024</a:t>
+              <a:t>17 November 2024</a:t>
             </a:fld>
             <a:endParaRPr lang="en-US" dirty="0"/>
           </a:p>
@@ -14081,7 +14081,7 @@
           <a:p>
             <a:fld id="{C214F419-8DDC-EA48-BD24-CF9CA5C03B01}" type="datetime3">
               <a:rPr lang="en-US" smtClean="0"/>
-              <a:t>15 November 2024</a:t>
+              <a:t>17 November 2024</a:t>
             </a:fld>
             <a:endParaRPr lang="en-US" dirty="0"/>
           </a:p>
@@ -14626,7 +14626,7 @@
           <a:p>
             <a:fld id="{C214F419-8DDC-EA48-BD24-CF9CA5C03B01}" type="datetime3">
               <a:rPr lang="en-US" smtClean="0"/>
-              <a:t>15 November 2024</a:t>
+              <a:t>17 November 2024</a:t>
             </a:fld>
             <a:endParaRPr lang="en-US" dirty="0"/>
           </a:p>
@@ -15292,7 +15292,7 @@
           <a:p>
             <a:fld id="{C214F419-8DDC-EA48-BD24-CF9CA5C03B01}" type="datetime3">
               <a:rPr lang="en-US" smtClean="0"/>
-              <a:t>15 November 2024</a:t>
+              <a:t>17 November 2024</a:t>
             </a:fld>
             <a:endParaRPr lang="en-US" dirty="0"/>
           </a:p>
@@ -15837,7 +15837,7 @@
           <a:p>
             <a:fld id="{C214F419-8DDC-EA48-BD24-CF9CA5C03B01}" type="datetime3">
               <a:rPr lang="en-US" smtClean="0"/>
-              <a:t>15 November 2024</a:t>
+              <a:t>17 November 2024</a:t>
             </a:fld>
             <a:endParaRPr lang="en-US" dirty="0"/>
           </a:p>
@@ -16504,7 +16504,7 @@
           <a:p>
             <a:fld id="{C214F419-8DDC-EA48-BD24-CF9CA5C03B01}" type="datetime3">
               <a:rPr lang="en-US" smtClean="0"/>
-              <a:t>15 November 2024</a:t>
+              <a:t>17 November 2024</a:t>
             </a:fld>
             <a:endParaRPr lang="en-US" dirty="0"/>
           </a:p>
@@ -17264,7 +17264,7 @@
             <a:fld id="{97556E8B-0A47-5B4E-9FDB-B8A05728CEB8}" type="datetime3">
               <a:rPr lang="en-US" smtClean="0"/>
               <a:pPr/>
-              <a:t>15 November 2024</a:t>
+              <a:t>17 November 2024</a:t>
             </a:fld>
             <a:endParaRPr lang="en-US" dirty="0"/>
           </a:p>
@@ -20087,7 +20087,7 @@
           <a:p>
             <a:r>
               <a:rPr lang="en-GB" dirty="0"/>
-              <a:t>Rather than be tempted to include more esoteric assets with the aim of boosting returns, consider loosening the investment guidelines to allow the manager to take active bets in these assets, subject to acceptable risk limits.</a:t>
+              <a:t>Rather than be tempted to include more esoteric assets with the aim of boosting returns, consider loosening the investment guidelines to allow the manager to take active bets in these assets, subject to acceptable risk limits. Or perhaps split the mandate.</a:t>
             </a:r>
           </a:p>
           <a:p>
